--- a/deck/Data Quality Revolution The Fabric-OpenAI Approach.pptx
+++ b/deck/Data Quality Revolution The Fabric-OpenAI Approach.pptx
@@ -31685,6 +31685,36 @@
           </a:p>
         </p:txBody>
       </p:sp>
+      <p:pic>
+        <p:nvPicPr>
+          <p:cNvPr id="5" name="Picture 4">
+            <a:extLst>
+              <a:ext uri="{FF2B5EF4-FFF2-40B4-BE49-F238E27FC236}">
+                <a16:creationId xmlns:a16="http://schemas.microsoft.com/office/drawing/2014/main" id="{6E20208A-CE29-AEA5-2D47-1A861AD38DA9}"/>
+              </a:ext>
+            </a:extLst>
+          </p:cNvPr>
+          <p:cNvPicPr>
+            <a:picLocks noChangeAspect="1"/>
+          </p:cNvPicPr>
+          <p:nvPr/>
+        </p:nvPicPr>
+        <p:blipFill>
+          <a:blip r:embed="rId2"/>
+          <a:stretch>
+            <a:fillRect/>
+          </a:stretch>
+        </p:blipFill>
+        <p:spPr>
+          <a:xfrm>
+            <a:off x="4544704" y="2859544"/>
+            <a:ext cx="2517302" cy="2479687"/>
+          </a:xfrm>
+          <a:prstGeom prst="rect">
+            <a:avLst/>
+          </a:prstGeom>
+        </p:spPr>
+      </p:pic>
     </p:spTree>
     <p:extLst>
       <p:ext uri="{BB962C8B-B14F-4D97-AF65-F5344CB8AC3E}">

--- a/deck/Data Quality Revolution The Fabric-OpenAI Approach.pptx
+++ b/deck/Data Quality Revolution The Fabric-OpenAI Approach.pptx
@@ -10872,7 +10872,7 @@
           <a:p>
             <a:fld id="{4BDE9B71-A489-4F60-B00B-1C8D688AA8A2}" type="datetimeFigureOut">
               <a:rPr lang="en-GB" smtClean="0"/>
-              <a:t>20/03/2024</a:t>
+              <a:t>21/03/2024</a:t>
             </a:fld>
             <a:endParaRPr lang="en-GB"/>
           </a:p>
@@ -11223,7 +11223,7 @@
           <a:p>
             <a:fld id="{4BDE9B71-A489-4F60-B00B-1C8D688AA8A2}" type="datetimeFigureOut">
               <a:rPr lang="en-GB" smtClean="0"/>
-              <a:t>20/03/2024</a:t>
+              <a:t>21/03/2024</a:t>
             </a:fld>
             <a:endParaRPr lang="en-GB"/>
           </a:p>
@@ -11651,7 +11651,7 @@
           <a:p>
             <a:fld id="{4BDE9B71-A489-4F60-B00B-1C8D688AA8A2}" type="datetimeFigureOut">
               <a:rPr lang="en-GB" smtClean="0"/>
-              <a:t>20/03/2024</a:t>
+              <a:t>21/03/2024</a:t>
             </a:fld>
             <a:endParaRPr lang="en-GB"/>
           </a:p>
@@ -11881,7 +11881,7 @@
           <a:p>
             <a:fld id="{4BDE9B71-A489-4F60-B00B-1C8D688AA8A2}" type="datetimeFigureOut">
               <a:rPr lang="en-GB" smtClean="0"/>
-              <a:t>20/03/2024</a:t>
+              <a:t>21/03/2024</a:t>
             </a:fld>
             <a:endParaRPr lang="en-GB"/>
           </a:p>
@@ -12232,7 +12232,7 @@
           <a:p>
             <a:fld id="{4BDE9B71-A489-4F60-B00B-1C8D688AA8A2}" type="datetimeFigureOut">
               <a:rPr lang="en-GB" smtClean="0"/>
-              <a:t>20/03/2024</a:t>
+              <a:t>21/03/2024</a:t>
             </a:fld>
             <a:endParaRPr lang="en-GB"/>
           </a:p>
@@ -12542,7 +12542,7 @@
           <a:p>
             <a:fld id="{4BDE9B71-A489-4F60-B00B-1C8D688AA8A2}" type="datetimeFigureOut">
               <a:rPr lang="en-GB" smtClean="0"/>
-              <a:t>20/03/2024</a:t>
+              <a:t>21/03/2024</a:t>
             </a:fld>
             <a:endParaRPr lang="en-GB"/>
           </a:p>
@@ -12855,7 +12855,7 @@
           <a:p>
             <a:fld id="{4BDE9B71-A489-4F60-B00B-1C8D688AA8A2}" type="datetimeFigureOut">
               <a:rPr lang="en-GB" smtClean="0"/>
-              <a:t>20/03/2024</a:t>
+              <a:t>21/03/2024</a:t>
             </a:fld>
             <a:endParaRPr lang="en-GB"/>
           </a:p>
@@ -13144,7 +13144,7 @@
           <a:p>
             <a:fld id="{4BDE9B71-A489-4F60-B00B-1C8D688AA8A2}" type="datetimeFigureOut">
               <a:rPr lang="en-GB" smtClean="0"/>
-              <a:t>20/03/2024</a:t>
+              <a:t>21/03/2024</a:t>
             </a:fld>
             <a:endParaRPr lang="en-GB"/>
           </a:p>
@@ -13344,7 +13344,7 @@
           <a:p>
             <a:fld id="{4BDE9B71-A489-4F60-B00B-1C8D688AA8A2}" type="datetimeFigureOut">
               <a:rPr lang="en-GB" smtClean="0"/>
-              <a:t>20/03/2024</a:t>
+              <a:t>21/03/2024</a:t>
             </a:fld>
             <a:endParaRPr lang="en-GB"/>
           </a:p>
@@ -13554,7 +13554,7 @@
           <a:p>
             <a:fld id="{4BDE9B71-A489-4F60-B00B-1C8D688AA8A2}" type="datetimeFigureOut">
               <a:rPr lang="en-GB" smtClean="0"/>
-              <a:t>20/03/2024</a:t>
+              <a:t>21/03/2024</a:t>
             </a:fld>
             <a:endParaRPr lang="en-GB"/>
           </a:p>
@@ -21561,7 +21561,7 @@
           <a:p>
             <a:fld id="{4BDE9B71-A489-4F60-B00B-1C8D688AA8A2}" type="datetimeFigureOut">
               <a:rPr lang="en-GB" smtClean="0"/>
-              <a:t>20/03/2024</a:t>
+              <a:t>21/03/2024</a:t>
             </a:fld>
             <a:endParaRPr lang="en-GB"/>
           </a:p>
@@ -28539,9 +28539,7 @@
             </a:avLst>
           </a:prstGeom>
           <a:solidFill>
-            <a:schemeClr val="accent6">
-              <a:lumMod val="75000"/>
-            </a:schemeClr>
+            <a:srgbClr val="00B050"/>
           </a:solidFill>
           <a:ln>
             <a:noFill/>
@@ -29721,7 +29719,9 @@
             </a:avLst>
           </a:prstGeom>
           <a:solidFill>
-            <a:schemeClr val="accent3"/>
+            <a:schemeClr val="accent5">
+              <a:lumMod val="75000"/>
+            </a:schemeClr>
           </a:solidFill>
           <a:ln>
             <a:noFill/>
@@ -30322,7 +30322,9 @@
             </a:avLst>
           </a:prstGeom>
           <a:solidFill>
-            <a:schemeClr val="accent2"/>
+            <a:schemeClr val="accent5">
+              <a:lumMod val="75000"/>
+            </a:schemeClr>
           </a:solidFill>
           <a:ln>
             <a:noFill/>
@@ -31063,7 +31065,9 @@
             </a:avLst>
           </a:prstGeom>
           <a:solidFill>
-            <a:srgbClr val="009AD7"/>
+            <a:schemeClr val="accent6">
+              <a:lumMod val="75000"/>
+            </a:schemeClr>
           </a:solidFill>
           <a:ln>
             <a:noFill/>
@@ -31361,7 +31365,7 @@
           </a:prstGeom>
           <a:ln w="9525" cap="flat" cmpd="sng" algn="ctr">
             <a:solidFill>
-              <a:schemeClr val="accent5"/>
+              <a:schemeClr val="accent6"/>
             </a:solidFill>
             <a:prstDash val="dash"/>
             <a:round/>
@@ -31448,7 +31452,7 @@
           </a:prstGeom>
           <a:ln w="9525" cap="flat" cmpd="sng" algn="ctr">
             <a:solidFill>
-              <a:schemeClr val="accent5"/>
+              <a:schemeClr val="accent6"/>
             </a:solidFill>
             <a:prstDash val="dash"/>
             <a:round/>
@@ -31828,7 +31832,7 @@
           </p:cNvPicPr>
           <p:nvPr/>
         </p:nvPicPr>
-        <p:blipFill>
+        <p:blipFill rotWithShape="1">
           <a:blip r:embed="rId2">
             <a:duotone>
               <a:schemeClr val="bg2">
@@ -31852,13 +31856,13 @@
               </a:ext>
             </a:extLst>
           </a:blip>
-          <a:srcRect/>
+          <a:srcRect l="20889" r="22498"/>
           <a:stretch/>
         </p:blipFill>
         <p:spPr>
           <a:xfrm>
-            <a:off x="6979545" y="1360633"/>
-            <a:ext cx="4908550" cy="3681412"/>
+            <a:off x="7001301" y="1"/>
+            <a:ext cx="5190699" cy="6876534"/>
           </a:xfrm>
           <a:prstGeom prst="rect">
             <a:avLst/>
@@ -31890,8 +31894,8 @@
         </p:blipFill>
         <p:spPr>
           <a:xfrm>
-            <a:off x="6530847" y="2763234"/>
-            <a:ext cx="3355383" cy="3246895"/>
+            <a:off x="6257892" y="2332825"/>
+            <a:ext cx="5511135" cy="5332946"/>
           </a:xfrm>
           <a:prstGeom prst="rect">
             <a:avLst/>
@@ -31914,7 +31918,7 @@
         </p:nvSpPr>
         <p:spPr>
           <a:xfrm>
-            <a:off x="595690" y="3701979"/>
+            <a:off x="686675" y="3524558"/>
             <a:ext cx="2120483" cy="358448"/>
           </a:xfrm>
           <a:prstGeom prst="rect">
@@ -32130,7 +32134,7 @@
         </p:blipFill>
         <p:spPr>
           <a:xfrm>
-            <a:off x="662385" y="4113448"/>
+            <a:off x="753370" y="3936027"/>
             <a:ext cx="342901" cy="457499"/>
           </a:xfrm>
           <a:prstGeom prst="rect">
@@ -32163,7 +32167,7 @@
         </p:blipFill>
         <p:spPr>
           <a:xfrm>
-            <a:off x="1037695" y="4000218"/>
+            <a:off x="1128680" y="3822797"/>
             <a:ext cx="2279262" cy="2083654"/>
           </a:xfrm>
           <a:prstGeom prst="rect">
@@ -33693,6 +33697,17 @@
 </file>
 
 <file path=customXml/item1.xml><?xml version="1.0" encoding="utf-8"?>
+<p:properties xmlns:p="http://schemas.microsoft.com/office/2006/metadata/properties" xmlns:xsi="http://www.w3.org/2001/XMLSchema-instance" xmlns:pc="http://schemas.microsoft.com/office/infopath/2007/PartnerControls">
+  <documentManagement>
+    <TaxCatchAll xmlns="6fef856b-9957-4c63-8350-3d47a877eed5" xsi:nil="true"/>
+    <lcf76f155ced4ddcb4097134ff3c332f xmlns="5c1ef3b4-dda5-4ed2-aafb-ef543d07122a">
+      <Terms xmlns="http://schemas.microsoft.com/office/infopath/2007/PartnerControls"/>
+    </lcf76f155ced4ddcb4097134ff3c332f>
+  </documentManagement>
+</p:properties>
+</file>
+
+<file path=customXml/item2.xml><?xml version="1.0" encoding="utf-8"?>
 <ct:contentTypeSchema xmlns:ct="http://schemas.microsoft.com/office/2006/metadata/contentType" xmlns:ma="http://schemas.microsoft.com/office/2006/metadata/properties/metaAttributes" ct:_="" ma:_="" ma:contentTypeName="Document" ma:contentTypeID="0x010100916CB46AF1B55445AFFCE62E7D374E1A" ma:contentTypeVersion="18" ma:contentTypeDescription="Create a new document." ma:contentTypeScope="" ma:versionID="553ef55b15c9ee91e8936282d2458a82">
   <xsd:schema xmlns:xsd="http://www.w3.org/2001/XMLSchema" xmlns:xs="http://www.w3.org/2001/XMLSchema" xmlns:p="http://schemas.microsoft.com/office/2006/metadata/properties" xmlns:ns2="6fef856b-9957-4c63-8350-3d47a877eed5" xmlns:ns3="5c1ef3b4-dda5-4ed2-aafb-ef543d07122a" targetNamespace="http://schemas.microsoft.com/office/2006/metadata/properties" ma:root="true" ma:fieldsID="3ca161407472da45f55f3fbd8e16a48f" ns2:_="" ns3:_="">
     <xsd:import namespace="6fef856b-9957-4c63-8350-3d47a877eed5"/>
@@ -33947,17 +33962,6 @@
 </ct:contentTypeSchema>
 </file>
 
-<file path=customXml/item2.xml><?xml version="1.0" encoding="utf-8"?>
-<p:properties xmlns:p="http://schemas.microsoft.com/office/2006/metadata/properties" xmlns:xsi="http://www.w3.org/2001/XMLSchema-instance" xmlns:pc="http://schemas.microsoft.com/office/infopath/2007/PartnerControls">
-  <documentManagement>
-    <TaxCatchAll xmlns="6fef856b-9957-4c63-8350-3d47a877eed5" xsi:nil="true"/>
-    <lcf76f155ced4ddcb4097134ff3c332f xmlns="5c1ef3b4-dda5-4ed2-aafb-ef543d07122a">
-      <Terms xmlns="http://schemas.microsoft.com/office/infopath/2007/PartnerControls"/>
-    </lcf76f155ced4ddcb4097134ff3c332f>
-  </documentManagement>
-</p:properties>
-</file>
-
 <file path=customXml/item3.xml><?xml version="1.0" encoding="utf-8"?>
 <?mso-contentType ?>
 <FormTemplates xmlns="http://schemas.microsoft.com/sharepoint/v3/contenttype/forms">
@@ -33968,6 +33972,17 @@
 </file>
 
 <file path=customXml/itemProps1.xml><?xml version="1.0" encoding="utf-8"?>
+<ds:datastoreItem xmlns:ds="http://schemas.openxmlformats.org/officeDocument/2006/customXml" ds:itemID="{89D06969-232C-4B45-A023-22C785139D66}">
+  <ds:schemaRefs>
+    <ds:schemaRef ds:uri="http://schemas.microsoft.com/office/2006/metadata/properties"/>
+    <ds:schemaRef ds:uri="http://schemas.microsoft.com/office/infopath/2007/PartnerControls"/>
+    <ds:schemaRef ds:uri="6fef856b-9957-4c63-8350-3d47a877eed5"/>
+    <ds:schemaRef ds:uri="5c1ef3b4-dda5-4ed2-aafb-ef543d07122a"/>
+  </ds:schemaRefs>
+</ds:datastoreItem>
+</file>
+
+<file path=customXml/itemProps2.xml><?xml version="1.0" encoding="utf-8"?>
 <ds:datastoreItem xmlns:ds="http://schemas.openxmlformats.org/officeDocument/2006/customXml" ds:itemID="{2344A534-2DC3-4D64-882D-BC66A94C7C5E}">
   <ds:schemaRefs>
     <ds:schemaRef ds:uri="http://schemas.microsoft.com/office/2006/metadata/contentType"/>
@@ -33986,17 +34001,6 @@
 </ds:datastoreItem>
 </file>
 
-<file path=customXml/itemProps2.xml><?xml version="1.0" encoding="utf-8"?>
-<ds:datastoreItem xmlns:ds="http://schemas.openxmlformats.org/officeDocument/2006/customXml" ds:itemID="{89D06969-232C-4B45-A023-22C785139D66}">
-  <ds:schemaRefs>
-    <ds:schemaRef ds:uri="http://schemas.microsoft.com/office/2006/metadata/properties"/>
-    <ds:schemaRef ds:uri="http://schemas.microsoft.com/office/infopath/2007/PartnerControls"/>
-    <ds:schemaRef ds:uri="6fef856b-9957-4c63-8350-3d47a877eed5"/>
-    <ds:schemaRef ds:uri="5c1ef3b4-dda5-4ed2-aafb-ef543d07122a"/>
-  </ds:schemaRefs>
-</ds:datastoreItem>
-</file>
-
 <file path=customXml/itemProps3.xml><?xml version="1.0" encoding="utf-8"?>
 <ds:datastoreItem xmlns:ds="http://schemas.openxmlformats.org/officeDocument/2006/customXml" ds:itemID="{19100325-5E82-423C-9840-FAF71CE7122F}">
   <ds:schemaRefs>

--- a/deck/Data Quality Revolution The Fabric-OpenAI Approach.pptx
+++ b/deck/Data Quality Revolution The Fabric-OpenAI Approach.pptx
@@ -22129,7 +22129,7 @@
         </p:nvSpPr>
         <p:spPr>
           <a:xfrm rot="10800000">
-            <a:off x="3104092" y="2504040"/>
+            <a:off x="4823710" y="2385760"/>
             <a:ext cx="733425" cy="4017963"/>
           </a:xfrm>
           <a:prstGeom prst="rect">
@@ -22218,7 +22218,7 @@
         </p:nvSpPr>
         <p:spPr>
           <a:xfrm>
-            <a:off x="4977076" y="1045370"/>
+            <a:off x="7051538" y="927090"/>
             <a:ext cx="560387" cy="400050"/>
           </a:xfrm>
         </p:spPr>
@@ -22251,7 +22251,7 @@
         </p:nvSpPr>
         <p:spPr>
           <a:xfrm>
-            <a:off x="4968613" y="1507782"/>
+            <a:off x="7043075" y="1389502"/>
             <a:ext cx="2258469" cy="491539"/>
           </a:xfrm>
         </p:spPr>
@@ -22286,7 +22286,7 @@
         </p:nvSpPr>
         <p:spPr>
           <a:xfrm>
-            <a:off x="4977076" y="2434322"/>
+            <a:off x="7051538" y="2316042"/>
             <a:ext cx="560387" cy="400050"/>
           </a:xfrm>
         </p:spPr>
@@ -22319,7 +22319,7 @@
         </p:nvSpPr>
         <p:spPr>
           <a:xfrm>
-            <a:off x="4968613" y="2912636"/>
+            <a:off x="7043075" y="2794356"/>
             <a:ext cx="2258469" cy="491539"/>
           </a:xfrm>
         </p:spPr>
@@ -22354,7 +22354,7 @@
         </p:nvSpPr>
         <p:spPr>
           <a:xfrm>
-            <a:off x="4977076" y="3817823"/>
+            <a:off x="7051538" y="3699543"/>
             <a:ext cx="560387" cy="400050"/>
           </a:xfrm>
         </p:spPr>
@@ -22387,7 +22387,7 @@
         </p:nvSpPr>
         <p:spPr>
           <a:xfrm>
-            <a:off x="4968613" y="4292653"/>
+            <a:off x="7043075" y="4174373"/>
             <a:ext cx="2458850" cy="491539"/>
           </a:xfrm>
         </p:spPr>
@@ -22422,7 +22422,7 @@
         </p:nvSpPr>
         <p:spPr>
           <a:xfrm>
-            <a:off x="4977076" y="5240248"/>
+            <a:off x="7051538" y="5121968"/>
             <a:ext cx="560387" cy="400050"/>
           </a:xfrm>
         </p:spPr>
@@ -22455,7 +22455,7 @@
         </p:nvSpPr>
         <p:spPr>
           <a:xfrm>
-            <a:off x="4968613" y="5697507"/>
+            <a:off x="7043075" y="5579227"/>
             <a:ext cx="2458850" cy="491539"/>
           </a:xfrm>
         </p:spPr>
@@ -22468,6 +22468,209 @@
             <a:r>
               <a:rPr lang="en-US" dirty="0"/>
               <a:t>Demo / Q &amp; A</a:t>
+            </a:r>
+          </a:p>
+        </p:txBody>
+      </p:sp>
+      <p:sp>
+        <p:nvSpPr>
+          <p:cNvPr id="2" name="TextBox 1">
+            <a:extLst>
+              <a:ext uri="{FF2B5EF4-FFF2-40B4-BE49-F238E27FC236}">
+                <a16:creationId xmlns:a16="http://schemas.microsoft.com/office/drawing/2014/main" id="{FAC1B680-6B77-B8F6-3EBF-D27E438018AB}"/>
+              </a:ext>
+            </a:extLst>
+          </p:cNvPr>
+          <p:cNvSpPr txBox="1"/>
+          <p:nvPr/>
+        </p:nvSpPr>
+        <p:spPr>
+          <a:xfrm>
+            <a:off x="696607" y="4794397"/>
+            <a:ext cx="2987543" cy="1569660"/>
+          </a:xfrm>
+          <a:prstGeom prst="rect">
+            <a:avLst/>
+          </a:prstGeom>
+          <a:noFill/>
+        </p:spPr>
+        <p:txBody>
+          <a:bodyPr wrap="square">
+            <a:spAutoFit/>
+          </a:bodyPr>
+          <a:lstStyle/>
+          <a:p>
+            <a:endParaRPr lang="en-GB">
+              <a:solidFill>
+                <a:schemeClr val="accent1">
+                  <a:lumMod val="50000"/>
+                </a:schemeClr>
+              </a:solidFill>
+              <a:ea typeface="+mj-ea"/>
+              <a:cs typeface="+mj-cs"/>
+            </a:endParaRPr>
+          </a:p>
+          <a:p>
+            <a:r>
+              <a:rPr lang="en-GB">
+                <a:solidFill>
+                  <a:schemeClr val="accent1">
+                    <a:lumMod val="50000"/>
+                  </a:schemeClr>
+                </a:solidFill>
+                <a:ea typeface="+mj-ea"/>
+                <a:cs typeface="+mj-cs"/>
+              </a:rPr>
+              <a:t>Solution Architect</a:t>
+            </a:r>
+            <a:endParaRPr lang="en-GB" sz="1800">
+              <a:solidFill>
+                <a:schemeClr val="accent1">
+                  <a:lumMod val="50000"/>
+                </a:schemeClr>
+              </a:solidFill>
+              <a:ea typeface="+mj-ea"/>
+              <a:cs typeface="+mj-cs"/>
+            </a:endParaRPr>
+          </a:p>
+          <a:p>
+            <a:endParaRPr lang="en-GB" sz="1800">
+              <a:solidFill>
+                <a:schemeClr val="accent1">
+                  <a:lumMod val="50000"/>
+                </a:schemeClr>
+              </a:solidFill>
+              <a:ea typeface="+mj-ea"/>
+              <a:cs typeface="+mj-cs"/>
+            </a:endParaRPr>
+          </a:p>
+          <a:p>
+            <a:r>
+              <a:rPr lang="en-GB" sz="1400">
+                <a:solidFill>
+                  <a:schemeClr val="accent1">
+                    <a:lumMod val="50000"/>
+                  </a:schemeClr>
+                </a:solidFill>
+                <a:ea typeface="+mj-ea"/>
+                <a:cs typeface="+mj-cs"/>
+              </a:rPr>
+              <a:t>Specialized in data and AI </a:t>
+            </a:r>
+            <a:r>
+              <a:rPr lang="en-GB" sz="1400" b="1">
+                <a:solidFill>
+                  <a:schemeClr val="accent1">
+                    <a:lumMod val="50000"/>
+                  </a:schemeClr>
+                </a:solidFill>
+                <a:ea typeface="+mj-ea"/>
+                <a:cs typeface="+mj-cs"/>
+              </a:rPr>
+              <a:t>Consulting</a:t>
+            </a:r>
+            <a:r>
+              <a:rPr lang="en-GB" sz="1400">
+                <a:solidFill>
+                  <a:schemeClr val="accent1">
+                    <a:lumMod val="50000"/>
+                  </a:schemeClr>
+                </a:solidFill>
+                <a:ea typeface="+mj-ea"/>
+                <a:cs typeface="+mj-cs"/>
+              </a:rPr>
+              <a:t>, </a:t>
+            </a:r>
+            <a:r>
+              <a:rPr lang="en-GB" sz="1400" b="1">
+                <a:solidFill>
+                  <a:schemeClr val="accent1">
+                    <a:lumMod val="50000"/>
+                  </a:schemeClr>
+                </a:solidFill>
+                <a:ea typeface="+mj-ea"/>
+                <a:cs typeface="+mj-cs"/>
+              </a:rPr>
+              <a:t>Strategy</a:t>
+            </a:r>
+            <a:r>
+              <a:rPr lang="en-GB" sz="1400">
+                <a:solidFill>
+                  <a:schemeClr val="accent1">
+                    <a:lumMod val="50000"/>
+                  </a:schemeClr>
+                </a:solidFill>
+                <a:ea typeface="+mj-ea"/>
+                <a:cs typeface="+mj-cs"/>
+              </a:rPr>
+              <a:t>, </a:t>
+            </a:r>
+            <a:r>
+              <a:rPr lang="en-GB" sz="1400" b="1">
+                <a:solidFill>
+                  <a:schemeClr val="accent1">
+                    <a:lumMod val="50000"/>
+                  </a:schemeClr>
+                </a:solidFill>
+                <a:ea typeface="+mj-ea"/>
+                <a:cs typeface="+mj-cs"/>
+              </a:rPr>
+              <a:t>Solution Architecture</a:t>
+            </a:r>
+            <a:r>
+              <a:rPr lang="en-GB" sz="1400">
+                <a:solidFill>
+                  <a:schemeClr val="accent1">
+                    <a:lumMod val="50000"/>
+                  </a:schemeClr>
+                </a:solidFill>
+                <a:ea typeface="+mj-ea"/>
+                <a:cs typeface="+mj-cs"/>
+              </a:rPr>
+              <a:t>, and Implementation</a:t>
+            </a:r>
+          </a:p>
+        </p:txBody>
+      </p:sp>
+      <p:sp>
+        <p:nvSpPr>
+          <p:cNvPr id="3" name="TextBox 2">
+            <a:extLst>
+              <a:ext uri="{FF2B5EF4-FFF2-40B4-BE49-F238E27FC236}">
+                <a16:creationId xmlns:a16="http://schemas.microsoft.com/office/drawing/2014/main" id="{16408E61-C920-F890-9691-10132722F482}"/>
+              </a:ext>
+            </a:extLst>
+          </p:cNvPr>
+          <p:cNvSpPr txBox="1"/>
+          <p:nvPr/>
+        </p:nvSpPr>
+        <p:spPr>
+          <a:xfrm>
+            <a:off x="616703" y="1032785"/>
+            <a:ext cx="2820040" cy="400110"/>
+          </a:xfrm>
+          <a:prstGeom prst="rect">
+            <a:avLst/>
+          </a:prstGeom>
+          <a:noFill/>
+        </p:spPr>
+        <p:txBody>
+          <a:bodyPr wrap="square">
+            <a:spAutoFit/>
+          </a:bodyPr>
+          <a:lstStyle/>
+          <a:p>
+            <a:r>
+              <a:rPr lang="en-GB" sz="2000" b="1" dirty="0">
+                <a:solidFill>
+                  <a:schemeClr val="accent1">
+                    <a:lumMod val="50000"/>
+                  </a:schemeClr>
+                </a:solidFill>
+                <a:ea typeface="+mj-ea"/>
+                <a:cs typeface="+mj-cs"/>
+              </a:rPr>
+              <a:t>NAGRAJ SENGODAN</a:t>
             </a:r>
           </a:p>
         </p:txBody>
